--- a/TRAFFIC-SIGN-RECOGNIZER.pptx
+++ b/TRAFFIC-SIGN-RECOGNIZER.pptx
@@ -289,7 +289,7 @@
           <a:p>
             <a:fld id="{4EC743F4-8769-40B4-85DF-6CB8DE9F66AA}" type="datetimeFigureOut">
               <a:rPr lang="en-US" smtClean="0"/>
-              <a:t>4/3/2024</a:t>
+              <a:t>4/4/2024</a:t>
             </a:fld>
             <a:endParaRPr lang="en-US"/>
           </a:p>
@@ -832,7 +832,7 @@
           <a:p>
             <a:fld id="{4EC743F4-8769-40B4-85DF-6CB8DE9F66AA}" type="datetimeFigureOut">
               <a:rPr lang="en-US" smtClean="0"/>
-              <a:t>4/3/2024</a:t>
+              <a:t>4/4/2024</a:t>
             </a:fld>
             <a:endParaRPr lang="en-US"/>
           </a:p>
@@ -1040,7 +1040,7 @@
           <a:p>
             <a:fld id="{4EC743F4-8769-40B4-85DF-6CB8DE9F66AA}" type="datetimeFigureOut">
               <a:rPr lang="en-US" smtClean="0"/>
-              <a:t>4/3/2024</a:t>
+              <a:t>4/4/2024</a:t>
             </a:fld>
             <a:endParaRPr lang="en-US"/>
           </a:p>
@@ -1239,7 +1239,7 @@
           <a:p>
             <a:fld id="{4EC743F4-8769-40B4-85DF-6CB8DE9F66AA}" type="datetimeFigureOut">
               <a:rPr lang="en-US" smtClean="0"/>
-              <a:t>4/3/2024</a:t>
+              <a:t>4/4/2024</a:t>
             </a:fld>
             <a:endParaRPr lang="en-US"/>
           </a:p>
@@ -1522,7 +1522,7 @@
           <a:p>
             <a:fld id="{4EC743F4-8769-40B4-85DF-6CB8DE9F66AA}" type="datetimeFigureOut">
               <a:rPr lang="en-US" smtClean="0"/>
-              <a:t>4/3/2024</a:t>
+              <a:t>4/4/2024</a:t>
             </a:fld>
             <a:endParaRPr lang="en-US" dirty="0"/>
           </a:p>
@@ -2473,7 +2473,7 @@
           <a:p>
             <a:fld id="{4EC743F4-8769-40B4-85DF-6CB8DE9F66AA}" type="datetimeFigureOut">
               <a:rPr lang="en-US" smtClean="0"/>
-              <a:t>4/3/2024</a:t>
+              <a:t>4/4/2024</a:t>
             </a:fld>
             <a:endParaRPr lang="en-US"/>
           </a:p>
@@ -2892,7 +2892,7 @@
           <a:p>
             <a:fld id="{4EC743F4-8769-40B4-85DF-6CB8DE9F66AA}" type="datetimeFigureOut">
               <a:rPr lang="en-US" smtClean="0"/>
-              <a:t>4/3/2024</a:t>
+              <a:t>4/4/2024</a:t>
             </a:fld>
             <a:endParaRPr lang="en-US"/>
           </a:p>
@@ -3033,7 +3033,7 @@
           <a:p>
             <a:fld id="{4EC743F4-8769-40B4-85DF-6CB8DE9F66AA}" type="datetimeFigureOut">
               <a:rPr lang="en-US" smtClean="0"/>
-              <a:t>4/3/2024</a:t>
+              <a:t>4/4/2024</a:t>
             </a:fld>
             <a:endParaRPr lang="en-US"/>
           </a:p>
@@ -3146,7 +3146,7 @@
           <a:p>
             <a:fld id="{4EC743F4-8769-40B4-85DF-6CB8DE9F66AA}" type="datetimeFigureOut">
               <a:rPr lang="en-US" smtClean="0"/>
-              <a:t>4/3/2024</a:t>
+              <a:t>4/4/2024</a:t>
             </a:fld>
             <a:endParaRPr lang="en-US"/>
           </a:p>
@@ -3463,7 +3463,7 @@
           <a:p>
             <a:fld id="{4EC743F4-8769-40B4-85DF-6CB8DE9F66AA}" type="datetimeFigureOut">
               <a:rPr lang="en-US" smtClean="0"/>
-              <a:t>4/3/2024</a:t>
+              <a:t>4/4/2024</a:t>
             </a:fld>
             <a:endParaRPr lang="en-US"/>
           </a:p>
@@ -3808,7 +3808,7 @@
           <a:p>
             <a:fld id="{4EC743F4-8769-40B4-85DF-6CB8DE9F66AA}" type="datetimeFigureOut">
               <a:rPr lang="en-US" smtClean="0"/>
-              <a:t>4/3/2024</a:t>
+              <a:t>4/4/2024</a:t>
             </a:fld>
             <a:endParaRPr lang="en-US"/>
           </a:p>
@@ -4103,7 +4103,7 @@
             <a:fld id="{4EC743F4-8769-40B4-85DF-6CB8DE9F66AA}" type="datetimeFigureOut">
               <a:rPr lang="en-US" smtClean="0"/>
               <a:pPr/>
-              <a:t>4/3/2024</a:t>
+              <a:t>4/4/2024</a:t>
             </a:fld>
             <a:endParaRPr lang="en-US" dirty="0"/>
           </a:p>
@@ -4729,6 +4729,26 @@
               </a:rPr>
               <a:t>ELAKIYA  I</a:t>
             </a:r>
+            <a:br>
+              <a:rPr lang="en-US" dirty="0">
+                <a:latin typeface="Times New Roman" panose="02020603050405020304" pitchFamily="18" charset="0"/>
+                <a:cs typeface="Times New Roman" panose="02020603050405020304" pitchFamily="18" charset="0"/>
+              </a:rPr>
+            </a:br>
+            <a:r>
+              <a:rPr lang="en-US" dirty="0">
+                <a:latin typeface="Times New Roman" panose="02020603050405020304" pitchFamily="18" charset="0"/>
+                <a:cs typeface="Times New Roman" panose="02020603050405020304" pitchFamily="18" charset="0"/>
+              </a:rPr>
+              <a:t>               </a:t>
+            </a:r>
+            <a:r>
+              <a:rPr lang="en-US" sz="4000" dirty="0">
+                <a:latin typeface="Times New Roman" panose="02020603050405020304" pitchFamily="18" charset="0"/>
+                <a:cs typeface="Times New Roman" panose="02020603050405020304" pitchFamily="18" charset="0"/>
+              </a:rPr>
+              <a:t>Deep Learning using CNN</a:t>
+            </a:r>
             <a:endParaRPr lang="en-IN" dirty="0">
               <a:latin typeface="Times New Roman" panose="02020603050405020304" pitchFamily="18" charset="0"/>
               <a:cs typeface="Times New Roman" panose="02020603050405020304" pitchFamily="18" charset="0"/>

--- a/TRAFFIC-SIGN-RECOGNIZER.pptx
+++ b/TRAFFIC-SIGN-RECOGNIZER.pptx
@@ -4719,7 +4719,9 @@
           </a:xfrm>
         </p:spPr>
         <p:txBody>
-          <a:bodyPr/>
+          <a:bodyPr>
+            <a:normAutofit/>
+          </a:bodyPr>
           <a:lstStyle/>
           <a:p>
             <a:r>
@@ -4740,14 +4742,14 @@
                 <a:latin typeface="Times New Roman" panose="02020603050405020304" pitchFamily="18" charset="0"/>
                 <a:cs typeface="Times New Roman" panose="02020603050405020304" pitchFamily="18" charset="0"/>
               </a:rPr>
-              <a:t>               </a:t>
+              <a:t>          </a:t>
             </a:r>
             <a:r>
               <a:rPr lang="en-US" sz="4000" dirty="0">
                 <a:latin typeface="Times New Roman" panose="02020603050405020304" pitchFamily="18" charset="0"/>
                 <a:cs typeface="Times New Roman" panose="02020603050405020304" pitchFamily="18" charset="0"/>
               </a:rPr>
-              <a:t>Deep Learning using CNN</a:t>
+              <a:t>Deep Learning Project</a:t>
             </a:r>
             <a:endParaRPr lang="en-IN" dirty="0">
               <a:latin typeface="Times New Roman" panose="02020603050405020304" pitchFamily="18" charset="0"/>

--- a/TRAFFIC-SIGN-RECOGNIZER.pptx
+++ b/TRAFFIC-SIGN-RECOGNIZER.pptx
@@ -16,6 +16,7 @@
     <p:sldId id="264" r:id="rId10"/>
     <p:sldId id="265" r:id="rId11"/>
     <p:sldId id="266" r:id="rId12"/>
+    <p:sldId id="267" r:id="rId13"/>
   </p:sldIdLst>
   <p:sldSz cx="12192000" cy="6858000"/>
   <p:notesSz cx="6858000" cy="9144000"/>
@@ -289,7 +290,7 @@
           <a:p>
             <a:fld id="{4EC743F4-8769-40B4-85DF-6CB8DE9F66AA}" type="datetimeFigureOut">
               <a:rPr lang="en-US" smtClean="0"/>
-              <a:t>4/4/2024</a:t>
+              <a:t>4/5/2024</a:t>
             </a:fld>
             <a:endParaRPr lang="en-US"/>
           </a:p>
@@ -832,7 +833,7 @@
           <a:p>
             <a:fld id="{4EC743F4-8769-40B4-85DF-6CB8DE9F66AA}" type="datetimeFigureOut">
               <a:rPr lang="en-US" smtClean="0"/>
-              <a:t>4/4/2024</a:t>
+              <a:t>4/5/2024</a:t>
             </a:fld>
             <a:endParaRPr lang="en-US"/>
           </a:p>
@@ -1040,7 +1041,7 @@
           <a:p>
             <a:fld id="{4EC743F4-8769-40B4-85DF-6CB8DE9F66AA}" type="datetimeFigureOut">
               <a:rPr lang="en-US" smtClean="0"/>
-              <a:t>4/4/2024</a:t>
+              <a:t>4/5/2024</a:t>
             </a:fld>
             <a:endParaRPr lang="en-US"/>
           </a:p>
@@ -1239,7 +1240,7 @@
           <a:p>
             <a:fld id="{4EC743F4-8769-40B4-85DF-6CB8DE9F66AA}" type="datetimeFigureOut">
               <a:rPr lang="en-US" smtClean="0"/>
-              <a:t>4/4/2024</a:t>
+              <a:t>4/5/2024</a:t>
             </a:fld>
             <a:endParaRPr lang="en-US"/>
           </a:p>
@@ -1522,7 +1523,7 @@
           <a:p>
             <a:fld id="{4EC743F4-8769-40B4-85DF-6CB8DE9F66AA}" type="datetimeFigureOut">
               <a:rPr lang="en-US" smtClean="0"/>
-              <a:t>4/4/2024</a:t>
+              <a:t>4/5/2024</a:t>
             </a:fld>
             <a:endParaRPr lang="en-US" dirty="0"/>
           </a:p>
@@ -2473,7 +2474,7 @@
           <a:p>
             <a:fld id="{4EC743F4-8769-40B4-85DF-6CB8DE9F66AA}" type="datetimeFigureOut">
               <a:rPr lang="en-US" smtClean="0"/>
-              <a:t>4/4/2024</a:t>
+              <a:t>4/5/2024</a:t>
             </a:fld>
             <a:endParaRPr lang="en-US"/>
           </a:p>
@@ -2892,7 +2893,7 @@
           <a:p>
             <a:fld id="{4EC743F4-8769-40B4-85DF-6CB8DE9F66AA}" type="datetimeFigureOut">
               <a:rPr lang="en-US" smtClean="0"/>
-              <a:t>4/4/2024</a:t>
+              <a:t>4/5/2024</a:t>
             </a:fld>
             <a:endParaRPr lang="en-US"/>
           </a:p>
@@ -3033,7 +3034,7 @@
           <a:p>
             <a:fld id="{4EC743F4-8769-40B4-85DF-6CB8DE9F66AA}" type="datetimeFigureOut">
               <a:rPr lang="en-US" smtClean="0"/>
-              <a:t>4/4/2024</a:t>
+              <a:t>4/5/2024</a:t>
             </a:fld>
             <a:endParaRPr lang="en-US"/>
           </a:p>
@@ -3146,7 +3147,7 @@
           <a:p>
             <a:fld id="{4EC743F4-8769-40B4-85DF-6CB8DE9F66AA}" type="datetimeFigureOut">
               <a:rPr lang="en-US" smtClean="0"/>
-              <a:t>4/4/2024</a:t>
+              <a:t>4/5/2024</a:t>
             </a:fld>
             <a:endParaRPr lang="en-US"/>
           </a:p>
@@ -3463,7 +3464,7 @@
           <a:p>
             <a:fld id="{4EC743F4-8769-40B4-85DF-6CB8DE9F66AA}" type="datetimeFigureOut">
               <a:rPr lang="en-US" smtClean="0"/>
-              <a:t>4/4/2024</a:t>
+              <a:t>4/5/2024</a:t>
             </a:fld>
             <a:endParaRPr lang="en-US"/>
           </a:p>
@@ -3808,7 +3809,7 @@
           <a:p>
             <a:fld id="{4EC743F4-8769-40B4-85DF-6CB8DE9F66AA}" type="datetimeFigureOut">
               <a:rPr lang="en-US" smtClean="0"/>
-              <a:t>4/4/2024</a:t>
+              <a:t>4/5/2024</a:t>
             </a:fld>
             <a:endParaRPr lang="en-US"/>
           </a:p>
@@ -4103,7 +4104,7 @@
             <a:fld id="{4EC743F4-8769-40B4-85DF-6CB8DE9F66AA}" type="datetimeFigureOut">
               <a:rPr lang="en-US" smtClean="0"/>
               <a:pPr/>
-              <a:t>4/4/2024</a:t>
+              <a:t>4/5/2024</a:t>
             </a:fld>
             <a:endParaRPr lang="en-US" dirty="0"/>
           </a:p>
@@ -5161,6 +5162,127 @@
           </a:p>
         </p:txBody>
       </p:sp>
+      <p:sp>
+        <p:nvSpPr>
+          <p:cNvPr id="6" name="TextBox 5">
+            <a:extLst>
+              <a:ext uri="{FF2B5EF4-FFF2-40B4-BE49-F238E27FC236}">
+                <a16:creationId xmlns:a16="http://schemas.microsoft.com/office/drawing/2014/main" id="{059ADF1D-9D37-5309-6C33-B1C36916D045}"/>
+              </a:ext>
+            </a:extLst>
+          </p:cNvPr>
+          <p:cNvSpPr txBox="1"/>
+          <p:nvPr/>
+        </p:nvSpPr>
+        <p:spPr>
+          <a:xfrm>
+            <a:off x="511278" y="6093379"/>
+            <a:ext cx="242374" cy="369332"/>
+          </a:xfrm>
+          <a:prstGeom prst="rect">
+            <a:avLst/>
+          </a:prstGeom>
+          <a:noFill/>
+        </p:spPr>
+        <p:txBody>
+          <a:bodyPr wrap="none" rtlCol="0">
+            <a:spAutoFit/>
+          </a:bodyPr>
+          <a:lstStyle/>
+          <a:p>
+            <a:r>
+              <a:rPr lang="en-US" dirty="0"/>
+              <a:t> </a:t>
+            </a:r>
+            <a:endParaRPr lang="en-IN" dirty="0"/>
+          </a:p>
+        </p:txBody>
+      </p:sp>
+      <p:pic>
+        <p:nvPicPr>
+          <p:cNvPr id="4" name="Picture 3">
+            <a:extLst>
+              <a:ext uri="{FF2B5EF4-FFF2-40B4-BE49-F238E27FC236}">
+                <a16:creationId xmlns:a16="http://schemas.microsoft.com/office/drawing/2014/main" id="{9BFEE9AC-6AB9-7398-A140-4D3EEF90FE5B}"/>
+              </a:ext>
+            </a:extLst>
+          </p:cNvPr>
+          <p:cNvPicPr>
+            <a:picLocks noChangeAspect="1"/>
+          </p:cNvPicPr>
+          <p:nvPr/>
+        </p:nvPicPr>
+        <p:blipFill>
+          <a:blip r:embed="rId2"/>
+          <a:stretch>
+            <a:fillRect/>
+          </a:stretch>
+        </p:blipFill>
+        <p:spPr>
+          <a:xfrm>
+            <a:off x="1543665" y="1685925"/>
+            <a:ext cx="7685070" cy="3673304"/>
+          </a:xfrm>
+          <a:prstGeom prst="rect">
+            <a:avLst/>
+          </a:prstGeom>
+        </p:spPr>
+      </p:pic>
+      <p:sp>
+        <p:nvSpPr>
+          <p:cNvPr id="8" name="Content Placeholder 7">
+            <a:extLst>
+              <a:ext uri="{FF2B5EF4-FFF2-40B4-BE49-F238E27FC236}">
+                <a16:creationId xmlns:a16="http://schemas.microsoft.com/office/drawing/2014/main" id="{A269E7C4-DA14-FBAF-1DFB-1C7FF93D2EE7}"/>
+              </a:ext>
+            </a:extLst>
+          </p:cNvPr>
+          <p:cNvSpPr>
+            <a:spLocks noGrp="1"/>
+          </p:cNvSpPr>
+          <p:nvPr>
+            <p:ph idx="1"/>
+          </p:nvPr>
+        </p:nvSpPr>
+        <p:spPr/>
+        <p:txBody>
+          <a:bodyPr/>
+          <a:lstStyle/>
+          <a:p>
+            <a:endParaRPr lang="en-IN" dirty="0"/>
+          </a:p>
+        </p:txBody>
+      </p:sp>
+    </p:spTree>
+    <p:extLst>
+      <p:ext uri="{BB962C8B-B14F-4D97-AF65-F5344CB8AC3E}">
+        <p14:creationId xmlns:p14="http://schemas.microsoft.com/office/powerpoint/2010/main" val="2490529770"/>
+      </p:ext>
+    </p:extLst>
+  </p:cSld>
+  <p:clrMapOvr>
+    <a:masterClrMapping/>
+  </p:clrMapOvr>
+</p:sld>
+</file>
+
+<file path=ppt/slides/slide12.xml><?xml version="1.0" encoding="utf-8"?>
+<p:sld xmlns:a="http://schemas.openxmlformats.org/drawingml/2006/main" xmlns:r="http://schemas.openxmlformats.org/officeDocument/2006/relationships" xmlns:p="http://schemas.openxmlformats.org/presentationml/2006/main">
+  <p:cSld>
+    <p:spTree>
+      <p:nvGrpSpPr>
+        <p:cNvPr id="1" name=""/>
+        <p:cNvGrpSpPr/>
+        <p:nvPr/>
+      </p:nvGrpSpPr>
+      <p:grpSpPr>
+        <a:xfrm>
+          <a:off x="0" y="0"/>
+          <a:ext cx="0" cy="0"/>
+          <a:chOff x="0" y="0"/>
+          <a:chExt cx="0" cy="0"/>
+        </a:xfrm>
+      </p:grpSpPr>
       <p:pic>
         <p:nvPicPr>
           <p:cNvPr id="5" name="Content Placeholder 4">
@@ -5191,8 +5313,8 @@
         </p:blipFill>
         <p:spPr>
           <a:xfrm>
-            <a:off x="3365245" y="1685925"/>
-            <a:ext cx="5461511" cy="4040188"/>
+            <a:off x="2578664" y="329073"/>
+            <a:ext cx="6096000" cy="4509555"/>
           </a:xfrm>
         </p:spPr>
       </p:pic>
@@ -5201,7 +5323,7 @@
           <p:cNvPr id="6" name="TextBox 5">
             <a:extLst>
               <a:ext uri="{FF2B5EF4-FFF2-40B4-BE49-F238E27FC236}">
-                <a16:creationId xmlns:a16="http://schemas.microsoft.com/office/drawing/2014/main" id="{059ADF1D-9D37-5309-6C33-B1C36916D045}"/>
+                <a16:creationId xmlns:a16="http://schemas.microsoft.com/office/drawing/2014/main" id="{2E04C8A8-9734-62B8-DF5D-27377ED3595D}"/>
               </a:ext>
             </a:extLst>
           </p:cNvPr>
@@ -5210,8 +5332,8 @@
         </p:nvSpPr>
         <p:spPr>
           <a:xfrm>
-            <a:off x="1229032" y="6312310"/>
-            <a:ext cx="1377300" cy="369332"/>
+            <a:off x="648929" y="5726113"/>
+            <a:ext cx="6096000" cy="369332"/>
           </a:xfrm>
           <a:prstGeom prst="rect">
             <a:avLst/>
@@ -5219,20 +5341,16 @@
           <a:noFill/>
         </p:spPr>
         <p:txBody>
-          <a:bodyPr wrap="none" rtlCol="0">
+          <a:bodyPr wrap="square">
             <a:spAutoFit/>
           </a:bodyPr>
           <a:lstStyle/>
           <a:p>
             <a:r>
-              <a:rPr lang="en-US" dirty="0">
+              <a:rPr lang="en-US" dirty="0" err="1">
                 <a:hlinkClick r:id="rId3"/>
               </a:rPr>
-              <a:t>Demo Link</a:t>
-            </a:r>
-            <a:r>
-              <a:rPr lang="en-US" dirty="0"/>
-              <a:t> </a:t>
+              <a:t>DemoLink</a:t>
             </a:r>
             <a:endParaRPr lang="en-IN" dirty="0"/>
           </a:p>
@@ -5241,7 +5359,7 @@
     </p:spTree>
     <p:extLst>
       <p:ext uri="{BB962C8B-B14F-4D97-AF65-F5344CB8AC3E}">
-        <p14:creationId xmlns:p14="http://schemas.microsoft.com/office/powerpoint/2010/main" val="2490529770"/>
+        <p14:creationId xmlns:p14="http://schemas.microsoft.com/office/powerpoint/2010/main" val="2424367061"/>
       </p:ext>
     </p:extLst>
   </p:cSld>
